--- a/powerpoint/6_RNAseq_DE.pptx
+++ b/powerpoint/6_RNAseq_DE.pptx
@@ -223,7 +223,7 @@
           <a:p>
             <a:fld id="{43B9104F-BF0C-4FAD-B1C2-9B72199EAB62}" type="datetimeFigureOut">
               <a:rPr lang="en-GB" smtClean="0"/>
-              <a:t>29/10/2020</a:t>
+              <a:t>26/10/2022</a:t>
             </a:fld>
             <a:endParaRPr lang="en-GB"/>
           </a:p>
@@ -724,7 +724,7 @@
           <a:p>
             <a:fld id="{D5B3EF36-47C2-4AA3-A387-F39AC0889363}" type="datetimeFigureOut">
               <a:rPr lang="en-GB" smtClean="0"/>
-              <a:t>29/10/2020</a:t>
+              <a:t>26/10/2022</a:t>
             </a:fld>
             <a:endParaRPr lang="en-GB"/>
           </a:p>
@@ -924,7 +924,7 @@
           <a:p>
             <a:fld id="{D5B3EF36-47C2-4AA3-A387-F39AC0889363}" type="datetimeFigureOut">
               <a:rPr lang="en-GB" smtClean="0"/>
-              <a:t>29/10/2020</a:t>
+              <a:t>26/10/2022</a:t>
             </a:fld>
             <a:endParaRPr lang="en-GB"/>
           </a:p>
@@ -1134,7 +1134,7 @@
           <a:p>
             <a:fld id="{D5B3EF36-47C2-4AA3-A387-F39AC0889363}" type="datetimeFigureOut">
               <a:rPr lang="en-GB" smtClean="0"/>
-              <a:t>29/10/2020</a:t>
+              <a:t>26/10/2022</a:t>
             </a:fld>
             <a:endParaRPr lang="en-GB"/>
           </a:p>
@@ -1334,7 +1334,7 @@
           <a:p>
             <a:fld id="{D5B3EF36-47C2-4AA3-A387-F39AC0889363}" type="datetimeFigureOut">
               <a:rPr lang="en-GB" smtClean="0"/>
-              <a:t>29/10/2020</a:t>
+              <a:t>26/10/2022</a:t>
             </a:fld>
             <a:endParaRPr lang="en-GB"/>
           </a:p>
@@ -1610,7 +1610,7 @@
           <a:p>
             <a:fld id="{D5B3EF36-47C2-4AA3-A387-F39AC0889363}" type="datetimeFigureOut">
               <a:rPr lang="en-GB" smtClean="0"/>
-              <a:t>29/10/2020</a:t>
+              <a:t>26/10/2022</a:t>
             </a:fld>
             <a:endParaRPr lang="en-GB"/>
           </a:p>
@@ -1878,7 +1878,7 @@
           <a:p>
             <a:fld id="{D5B3EF36-47C2-4AA3-A387-F39AC0889363}" type="datetimeFigureOut">
               <a:rPr lang="en-GB" smtClean="0"/>
-              <a:t>29/10/2020</a:t>
+              <a:t>26/10/2022</a:t>
             </a:fld>
             <a:endParaRPr lang="en-GB"/>
           </a:p>
@@ -2293,7 +2293,7 @@
           <a:p>
             <a:fld id="{D5B3EF36-47C2-4AA3-A387-F39AC0889363}" type="datetimeFigureOut">
               <a:rPr lang="en-GB" smtClean="0"/>
-              <a:t>29/10/2020</a:t>
+              <a:t>26/10/2022</a:t>
             </a:fld>
             <a:endParaRPr lang="en-GB"/>
           </a:p>
@@ -2435,7 +2435,7 @@
           <a:p>
             <a:fld id="{D5B3EF36-47C2-4AA3-A387-F39AC0889363}" type="datetimeFigureOut">
               <a:rPr lang="en-GB" smtClean="0"/>
-              <a:t>29/10/2020</a:t>
+              <a:t>26/10/2022</a:t>
             </a:fld>
             <a:endParaRPr lang="en-GB"/>
           </a:p>
@@ -2548,7 +2548,7 @@
           <a:p>
             <a:fld id="{D5B3EF36-47C2-4AA3-A387-F39AC0889363}" type="datetimeFigureOut">
               <a:rPr lang="en-GB" smtClean="0"/>
-              <a:t>29/10/2020</a:t>
+              <a:t>26/10/2022</a:t>
             </a:fld>
             <a:endParaRPr lang="en-GB"/>
           </a:p>
@@ -2861,7 +2861,7 @@
           <a:p>
             <a:fld id="{D5B3EF36-47C2-4AA3-A387-F39AC0889363}" type="datetimeFigureOut">
               <a:rPr lang="en-GB" smtClean="0"/>
-              <a:t>29/10/2020</a:t>
+              <a:t>26/10/2022</a:t>
             </a:fld>
             <a:endParaRPr lang="en-GB"/>
           </a:p>
@@ -3150,7 +3150,7 @@
           <a:p>
             <a:fld id="{D5B3EF36-47C2-4AA3-A387-F39AC0889363}" type="datetimeFigureOut">
               <a:rPr lang="en-GB" smtClean="0"/>
-              <a:t>29/10/2020</a:t>
+              <a:t>26/10/2022</a:t>
             </a:fld>
             <a:endParaRPr lang="en-GB"/>
           </a:p>
@@ -3393,7 +3393,7 @@
           <a:p>
             <a:fld id="{D5B3EF36-47C2-4AA3-A387-F39AC0889363}" type="datetimeFigureOut">
               <a:rPr lang="en-GB" smtClean="0"/>
-              <a:t>29/10/2020</a:t>
+              <a:t>26/10/2022</a:t>
             </a:fld>
             <a:endParaRPr lang="en-GB"/>
           </a:p>
@@ -3864,8 +3864,8 @@
         </p:nvSpPr>
         <p:spPr>
           <a:xfrm>
-            <a:off x="301255" y="2488018"/>
-            <a:ext cx="11589489" cy="3416320"/>
+            <a:off x="225055" y="1586725"/>
+            <a:ext cx="11589489" cy="4062651"/>
           </a:xfrm>
           <a:prstGeom prst="rect">
             <a:avLst/>
@@ -3879,95 +3879,102 @@
           <a:lstStyle/>
           <a:p>
             <a:r>
-              <a:rPr lang="en-GB" b="1" u="sng" dirty="0"/>
-              <a:t>You can run this on Marvin cluster if your laptop does not work: Do the following on Marvin</a:t>
-            </a:r>
-          </a:p>
-          <a:p>
-            <a:endParaRPr lang="en-GB" b="1" u="sng" dirty="0"/>
-          </a:p>
-          <a:p>
-            <a:r>
-              <a:rPr lang="fr-FR" dirty="0">
+              <a:rPr lang="en-GB" sz="2400" b="1" u="sng" dirty="0"/>
+              <a:t>You can run this on Kennedy cluster if your laptop does not </a:t>
+            </a:r>
+            <a:r>
+              <a:rPr lang="en-GB" sz="2400" b="1" u="sng"/>
+              <a:t>work:</a:t>
+            </a:r>
+            <a:endParaRPr lang="en-GB" sz="2400" b="1" u="sng" dirty="0"/>
+          </a:p>
+          <a:p>
+            <a:endParaRPr lang="en-GB" sz="2400" b="1" u="sng" dirty="0"/>
+          </a:p>
+          <a:p>
+            <a:r>
+              <a:rPr lang="fr-FR" sz="2400" dirty="0" err="1">
                 <a:solidFill>
                   <a:srgbClr val="FF0000"/>
                 </a:solidFill>
               </a:rPr>
-              <a:t>. /shelf/apps/pjt6/conda/etc/profile.d/conda.sh       </a:t>
-            </a:r>
-            <a:r>
-              <a:rPr lang="fr-FR" dirty="0"/>
-              <a:t>(</a:t>
-            </a:r>
-            <a:r>
-              <a:rPr lang="fr-FR" dirty="0" err="1"/>
-              <a:t>make</a:t>
-            </a:r>
-            <a:r>
-              <a:rPr lang="fr-FR" dirty="0"/>
-              <a:t> </a:t>
-            </a:r>
-            <a:r>
-              <a:rPr lang="fr-FR" dirty="0" err="1"/>
-              <a:t>it</a:t>
-            </a:r>
-            <a:r>
-              <a:rPr lang="fr-FR" dirty="0"/>
-              <a:t> </a:t>
-            </a:r>
-            <a:r>
-              <a:rPr lang="fr-FR" dirty="0" err="1"/>
-              <a:t>so</a:t>
-            </a:r>
-            <a:r>
-              <a:rPr lang="fr-FR" dirty="0"/>
-              <a:t> </a:t>
-            </a:r>
-            <a:r>
-              <a:rPr lang="fr-FR" dirty="0" err="1"/>
-              <a:t>you</a:t>
-            </a:r>
-            <a:r>
-              <a:rPr lang="fr-FR" dirty="0"/>
-              <a:t> can use </a:t>
-            </a:r>
-            <a:r>
-              <a:rPr lang="fr-FR" dirty="0" err="1"/>
-              <a:t>my</a:t>
-            </a:r>
-            <a:r>
-              <a:rPr lang="fr-FR" dirty="0"/>
-              <a:t> software)</a:t>
-            </a:r>
-            <a:endParaRPr lang="en-US" dirty="0"/>
-          </a:p>
-          <a:p>
-            <a:endParaRPr lang="en-GB" dirty="0"/>
-          </a:p>
-          <a:p>
-            <a:r>
-              <a:rPr lang="en-GB" dirty="0" err="1">
+              <a:t>See</a:t>
+            </a:r>
+            <a:r>
+              <a:rPr lang="fr-FR" sz="2400" dirty="0">
                 <a:solidFill>
                   <a:srgbClr val="FF0000"/>
                 </a:solidFill>
               </a:rPr>
-              <a:t>conda</a:t>
-            </a:r>
-            <a:r>
-              <a:rPr lang="en-GB" dirty="0">
+              <a:t> </a:t>
+            </a:r>
+            <a:r>
+              <a:rPr lang="fr-FR" sz="2400" dirty="0" err="1">
                 <a:solidFill>
                   <a:srgbClr val="FF0000"/>
                 </a:solidFill>
               </a:rPr>
-              <a:t> activate trinity      </a:t>
-            </a:r>
-            <a:r>
-              <a:rPr lang="en-GB" dirty="0"/>
-              <a:t>(this has all the software you need)</a:t>
-            </a:r>
-          </a:p>
-          <a:p>
-            <a:endParaRPr lang="en-GB" dirty="0">
+              <a:t>next</a:t>
+            </a:r>
+            <a:r>
+              <a:rPr lang="fr-FR" sz="2400" dirty="0">
+                <a:solidFill>
+                  <a:srgbClr val="FF0000"/>
+                </a:solidFill>
+              </a:rPr>
+              <a:t> slide: </a:t>
+            </a:r>
+            <a:r>
+              <a:rPr lang="fr-FR" sz="2400" dirty="0"/>
+              <a:t>(</a:t>
+            </a:r>
+            <a:r>
+              <a:rPr lang="fr-FR" sz="2400" dirty="0" err="1"/>
+              <a:t>make</a:t>
+            </a:r>
+            <a:r>
+              <a:rPr lang="fr-FR" sz="2400" dirty="0"/>
+              <a:t> </a:t>
+            </a:r>
+            <a:r>
+              <a:rPr lang="fr-FR" sz="2400" dirty="0" err="1"/>
+              <a:t>it</a:t>
+            </a:r>
+            <a:r>
+              <a:rPr lang="fr-FR" sz="2400" dirty="0"/>
+              <a:t> </a:t>
+            </a:r>
+            <a:r>
+              <a:rPr lang="fr-FR" sz="2400" dirty="0" err="1"/>
+              <a:t>so</a:t>
+            </a:r>
+            <a:r>
+              <a:rPr lang="fr-FR" sz="2400" dirty="0"/>
+              <a:t> </a:t>
+            </a:r>
+            <a:r>
+              <a:rPr lang="fr-FR" sz="2400" dirty="0" err="1"/>
+              <a:t>you</a:t>
+            </a:r>
+            <a:r>
+              <a:rPr lang="fr-FR" sz="2400" dirty="0"/>
+              <a:t> can use </a:t>
+            </a:r>
+            <a:r>
+              <a:rPr lang="fr-FR" sz="2400" dirty="0" err="1"/>
+              <a:t>my</a:t>
+            </a:r>
+            <a:r>
+              <a:rPr lang="fr-FR" sz="2400" dirty="0"/>
+              <a:t> software)</a:t>
+            </a:r>
+            <a:endParaRPr lang="en-US" sz="2400" dirty="0"/>
+          </a:p>
+          <a:p>
+            <a:endParaRPr lang="en-GB" sz="2400" dirty="0"/>
+          </a:p>
+          <a:p>
+            <a:endParaRPr lang="en-GB" sz="2400" dirty="0">
               <a:solidFill>
                 <a:srgbClr val="FF0000"/>
               </a:solidFill>
@@ -3975,7 +3982,7 @@
           </a:p>
           <a:p>
             <a:r>
-              <a:rPr lang="en-GB" dirty="0">
+              <a:rPr lang="en-GB" sz="2400" dirty="0">
                 <a:solidFill>
                   <a:srgbClr val="FF0000"/>
                 </a:solidFill>
@@ -3983,7 +3990,7 @@
               <a:t>git pull </a:t>
             </a:r>
             <a:r>
-              <a:rPr lang="en-GB" dirty="0">
+              <a:rPr lang="en-GB" sz="2400" dirty="0">
                 <a:solidFill>
                   <a:srgbClr val="FF0000"/>
                 </a:solidFill>
@@ -3992,7 +3999,7 @@
               <a:t>https://github.com/peterthorpe5/RNAseq_workshop.git</a:t>
             </a:r>
             <a:r>
-              <a:rPr lang="en-GB" dirty="0">
+              <a:rPr lang="en-GB" sz="2400" dirty="0">
                 <a:solidFill>
                   <a:srgbClr val="FF0000"/>
                 </a:solidFill>
@@ -4000,22 +4007,22 @@
               <a:t>    </a:t>
             </a:r>
             <a:r>
-              <a:rPr lang="en-GB" dirty="0"/>
+              <a:rPr lang="en-GB" sz="2400" dirty="0"/>
               <a:t>(this will pull the latest version of the course, with the files you need</a:t>
             </a:r>
           </a:p>
           <a:p>
-            <a:endParaRPr lang="en-GB" dirty="0"/>
-          </a:p>
-          <a:p>
-            <a:r>
-              <a:rPr lang="en-GB" dirty="0"/>
-              <a:t>Type:</a:t>
-            </a:r>
-          </a:p>
-          <a:p>
-            <a:r>
-              <a:rPr lang="en-GB" dirty="0">
+            <a:endParaRPr lang="en-GB" sz="2400" dirty="0"/>
+          </a:p>
+          <a:p>
+            <a:r>
+              <a:rPr lang="en-GB" sz="2400" dirty="0"/>
+              <a:t>Type (once you have the software in your PATH):</a:t>
+            </a:r>
+          </a:p>
+          <a:p>
+            <a:r>
+              <a:rPr lang="en-GB" sz="2400" dirty="0">
                 <a:solidFill>
                   <a:srgbClr val="FF0000"/>
                 </a:solidFill>
@@ -4023,7 +4030,7 @@
               <a:t>R  </a:t>
             </a:r>
             <a:r>
-              <a:rPr lang="en-GB" dirty="0"/>
+              <a:rPr lang="en-GB" sz="2400" dirty="0"/>
               <a:t>      (not this is a capital letter, to open up an R terminal. )</a:t>
             </a:r>
           </a:p>
@@ -6169,7 +6176,19 @@
             </a:r>
             <a:r>
               <a:rPr lang="en-GB" dirty="0"/>
-              <a:t>	40     40		  40	             40       TOTAL = 200</a:t>
+              <a:t>	80     </a:t>
+            </a:r>
+            <a:r>
+              <a:rPr lang="en-GB" dirty="0">
+                <a:highlight>
+                  <a:srgbClr val="FF0000"/>
+                </a:highlight>
+              </a:rPr>
+              <a:t>0</a:t>
+            </a:r>
+            <a:r>
+              <a:rPr lang="en-GB" dirty="0"/>
+              <a:t>		  40	             40       TOTAL = 200</a:t>
             </a:r>
           </a:p>
           <a:p>
@@ -6191,10 +6210,10 @@
         </p:nvGrpSpPr>
         <p:grpSpPr>
           <a:xfrm>
-            <a:off x="1642020" y="4917598"/>
-            <a:ext cx="4041751" cy="1940402"/>
-            <a:chOff x="2054249" y="3842498"/>
-            <a:chExt cx="6445807" cy="2790298"/>
+            <a:off x="1642020" y="4874054"/>
+            <a:ext cx="4041751" cy="1983946"/>
+            <a:chOff x="2054249" y="3779882"/>
+            <a:chExt cx="6445807" cy="2852914"/>
           </a:xfrm>
         </p:grpSpPr>
         <p:pic>
@@ -6213,6 +6232,337 @@
           </p:nvPicPr>
           <p:blipFill rotWithShape="1">
             <a:blip r:embed="rId3">
+              <a:extLst>
+                <a:ext uri="{28A0092B-C50C-407E-A947-70E740481C1C}">
+                  <a14:useLocalDpi xmlns:a14="http://schemas.microsoft.com/office/drawing/2010/main" val="0"/>
+                </a:ext>
+              </a:extLst>
+            </a:blip>
+            <a:srcRect/>
+            <a:stretch/>
+          </p:blipFill>
+          <p:spPr bwMode="auto">
+            <a:xfrm>
+              <a:off x="2054249" y="3851779"/>
+              <a:ext cx="6445807" cy="2781017"/>
+            </a:xfrm>
+            <a:prstGeom prst="rect">
+              <a:avLst/>
+            </a:prstGeom>
+            <a:noFill/>
+            <a:extLst>
+              <a:ext uri="{909E8E84-426E-40DD-AFC4-6F175D3DCCD1}">
+                <a14:hiddenFill xmlns:a14="http://schemas.microsoft.com/office/drawing/2010/main">
+                  <a:solidFill>
+                    <a:srgbClr val="FFFFFF"/>
+                  </a:solidFill>
+                </a14:hiddenFill>
+              </a:ext>
+            </a:extLst>
+          </p:spPr>
+        </p:pic>
+        <p:sp>
+          <p:nvSpPr>
+            <p:cNvPr id="10" name="Rectangle 9">
+              <a:extLst>
+                <a:ext uri="{FF2B5EF4-FFF2-40B4-BE49-F238E27FC236}">
+                  <a16:creationId xmlns:a16="http://schemas.microsoft.com/office/drawing/2014/main" id="{A993670D-64B2-4815-A6A4-5D5A7BBC879E}"/>
+                </a:ext>
+              </a:extLst>
+            </p:cNvPr>
+            <p:cNvSpPr/>
+            <p:nvPr/>
+          </p:nvSpPr>
+          <p:spPr>
+            <a:xfrm>
+              <a:off x="3734873" y="4262907"/>
+              <a:ext cx="4314423" cy="682580"/>
+            </a:xfrm>
+            <a:prstGeom prst="rect">
+              <a:avLst/>
+            </a:prstGeom>
+            <a:solidFill>
+              <a:schemeClr val="bg1"/>
+            </a:solidFill>
+            <a:ln>
+              <a:noFill/>
+            </a:ln>
+          </p:spPr>
+          <p:style>
+            <a:lnRef idx="2">
+              <a:schemeClr val="accent1">
+                <a:shade val="50000"/>
+              </a:schemeClr>
+            </a:lnRef>
+            <a:fillRef idx="1">
+              <a:schemeClr val="accent1"/>
+            </a:fillRef>
+            <a:effectRef idx="0">
+              <a:schemeClr val="accent1"/>
+            </a:effectRef>
+            <a:fontRef idx="minor">
+              <a:schemeClr val="lt1"/>
+            </a:fontRef>
+          </p:style>
+          <p:txBody>
+            <a:bodyPr rtlCol="0" anchor="ctr"/>
+            <a:lstStyle/>
+            <a:p>
+              <a:pPr algn="ctr"/>
+              <a:endParaRPr lang="en-GB"/>
+            </a:p>
+          </p:txBody>
+        </p:sp>
+        <p:sp>
+          <p:nvSpPr>
+            <p:cNvPr id="11" name="Rectangle 10">
+              <a:extLst>
+                <a:ext uri="{FF2B5EF4-FFF2-40B4-BE49-F238E27FC236}">
+                  <a16:creationId xmlns:a16="http://schemas.microsoft.com/office/drawing/2014/main" id="{05DE63B4-BC8A-4637-BDB2-973F6E7E8A6A}"/>
+                </a:ext>
+              </a:extLst>
+            </p:cNvPr>
+            <p:cNvSpPr/>
+            <p:nvPr/>
+          </p:nvSpPr>
+          <p:spPr>
+            <a:xfrm>
+              <a:off x="4757351" y="3892378"/>
+              <a:ext cx="1433384" cy="370529"/>
+            </a:xfrm>
+            <a:prstGeom prst="rect">
+              <a:avLst/>
+            </a:prstGeom>
+            <a:solidFill>
+              <a:schemeClr val="bg1"/>
+            </a:solidFill>
+            <a:ln>
+              <a:solidFill>
+                <a:schemeClr val="bg1"/>
+              </a:solidFill>
+            </a:ln>
+          </p:spPr>
+          <p:style>
+            <a:lnRef idx="2">
+              <a:schemeClr val="accent1">
+                <a:shade val="50000"/>
+              </a:schemeClr>
+            </a:lnRef>
+            <a:fillRef idx="1">
+              <a:schemeClr val="accent1"/>
+            </a:fillRef>
+            <a:effectRef idx="0">
+              <a:schemeClr val="accent1"/>
+            </a:effectRef>
+            <a:fontRef idx="minor">
+              <a:schemeClr val="lt1"/>
+            </a:fontRef>
+          </p:style>
+          <p:txBody>
+            <a:bodyPr rtlCol="0" anchor="ctr"/>
+            <a:lstStyle/>
+            <a:p>
+              <a:pPr algn="ctr"/>
+              <a:endParaRPr lang="en-GB"/>
+            </a:p>
+          </p:txBody>
+        </p:sp>
+        <p:sp>
+          <p:nvSpPr>
+            <p:cNvPr id="12" name="TextBox 11">
+              <a:extLst>
+                <a:ext uri="{FF2B5EF4-FFF2-40B4-BE49-F238E27FC236}">
+                  <a16:creationId xmlns:a16="http://schemas.microsoft.com/office/drawing/2014/main" id="{9F630B03-962A-4576-BF4D-44343DCA9656}"/>
+                </a:ext>
+              </a:extLst>
+            </p:cNvPr>
+            <p:cNvSpPr txBox="1"/>
+            <p:nvPr/>
+          </p:nvSpPr>
+          <p:spPr>
+            <a:xfrm>
+              <a:off x="4843848" y="3779882"/>
+              <a:ext cx="1433384" cy="486841"/>
+            </a:xfrm>
+            <a:prstGeom prst="rect">
+              <a:avLst/>
+            </a:prstGeom>
+            <a:noFill/>
+          </p:spPr>
+          <p:txBody>
+            <a:bodyPr wrap="square" rtlCol="0">
+              <a:spAutoFit/>
+            </a:bodyPr>
+            <a:lstStyle/>
+            <a:p>
+              <a:r>
+                <a:rPr lang="en-GB" sz="1600" b="1" dirty="0"/>
+                <a:t>gallium</a:t>
+              </a:r>
+            </a:p>
+          </p:txBody>
+        </p:sp>
+      </p:grpSp>
+    </p:spTree>
+    <p:extLst>
+      <p:ext uri="{BB962C8B-B14F-4D97-AF65-F5344CB8AC3E}">
+        <p14:creationId xmlns:p14="http://schemas.microsoft.com/office/powerpoint/2010/main" val="3254640150"/>
+      </p:ext>
+    </p:extLst>
+  </p:cSld>
+  <p:clrMapOvr>
+    <a:masterClrMapping/>
+  </p:clrMapOvr>
+</p:sld>
+</file>
+
+<file path=ppt/slides/slide15.xml><?xml version="1.0" encoding="utf-8"?>
+<p:sld xmlns:a="http://schemas.openxmlformats.org/drawingml/2006/main" xmlns:r="http://schemas.openxmlformats.org/officeDocument/2006/relationships" xmlns:p="http://schemas.openxmlformats.org/presentationml/2006/main">
+  <p:cSld>
+    <p:spTree>
+      <p:nvGrpSpPr>
+        <p:cNvPr id="1" name=""/>
+        <p:cNvGrpSpPr/>
+        <p:nvPr/>
+      </p:nvGrpSpPr>
+      <p:grpSpPr>
+        <a:xfrm>
+          <a:off x="0" y="0"/>
+          <a:ext cx="0" cy="0"/>
+          <a:chOff x="0" y="0"/>
+          <a:chExt cx="0" cy="0"/>
+        </a:xfrm>
+      </p:grpSpPr>
+      <p:sp>
+        <p:nvSpPr>
+          <p:cNvPr id="2" name="Title 1">
+            <a:extLst>
+              <a:ext uri="{FF2B5EF4-FFF2-40B4-BE49-F238E27FC236}">
+                <a16:creationId xmlns:a16="http://schemas.microsoft.com/office/drawing/2014/main" id="{A0C8C6AF-E509-4279-9039-EC1F56C4DC48}"/>
+              </a:ext>
+            </a:extLst>
+          </p:cNvPr>
+          <p:cNvSpPr>
+            <a:spLocks noGrp="1"/>
+          </p:cNvSpPr>
+          <p:nvPr>
+            <p:ph type="title"/>
+          </p:nvPr>
+        </p:nvSpPr>
+        <p:spPr>
+          <a:xfrm>
+            <a:off x="838200" y="-132575"/>
+            <a:ext cx="10515600" cy="1325563"/>
+          </a:xfrm>
+        </p:spPr>
+        <p:txBody>
+          <a:bodyPr>
+            <a:normAutofit/>
+          </a:bodyPr>
+          <a:lstStyle/>
+          <a:p>
+            <a:pPr algn="ctr"/>
+            <a:r>
+              <a:rPr lang="en-GB" dirty="0">
+                <a:solidFill>
+                  <a:srgbClr val="7030A0"/>
+                </a:solidFill>
+              </a:rPr>
+              <a:t>6) DE exon expression: Aphids reared on three different plants</a:t>
+            </a:r>
+          </a:p>
+        </p:txBody>
+      </p:sp>
+      <p:sp>
+        <p:nvSpPr>
+          <p:cNvPr id="3" name="Content Placeholder 2">
+            <a:extLst>
+              <a:ext uri="{FF2B5EF4-FFF2-40B4-BE49-F238E27FC236}">
+                <a16:creationId xmlns:a16="http://schemas.microsoft.com/office/drawing/2014/main" id="{87E2E5A0-784D-4BAF-A742-3FA5474D9D33}"/>
+              </a:ext>
+            </a:extLst>
+          </p:cNvPr>
+          <p:cNvSpPr>
+            <a:spLocks noGrp="1"/>
+          </p:cNvSpPr>
+          <p:nvPr>
+            <p:ph idx="1"/>
+          </p:nvPr>
+        </p:nvSpPr>
+        <p:spPr>
+          <a:xfrm>
+            <a:off x="371474" y="1253331"/>
+            <a:ext cx="11701077" cy="5196896"/>
+          </a:xfrm>
+        </p:spPr>
+        <p:txBody>
+          <a:bodyPr>
+            <a:normAutofit/>
+          </a:bodyPr>
+          <a:lstStyle/>
+          <a:p>
+            <a:r>
+              <a:rPr lang="en-GB" sz="2400" dirty="0"/>
+              <a:t>This a real example: </a:t>
+            </a:r>
+            <a:r>
+              <a:rPr lang="en-GB" sz="2400" i="1" dirty="0" err="1"/>
+              <a:t>Myzus</a:t>
+            </a:r>
+            <a:r>
+              <a:rPr lang="en-GB" sz="2400" i="1" dirty="0"/>
+              <a:t> cerasi </a:t>
+            </a:r>
+            <a:r>
+              <a:rPr lang="en-GB" sz="2400" dirty="0"/>
+              <a:t>has a primary host (cherry) and a limited few others. In this example gallium (also known as cleavers, sticky weed …) and cress. </a:t>
+            </a:r>
+            <a:endParaRPr lang="en-GB" dirty="0"/>
+          </a:p>
+          <a:p>
+            <a:pPr marL="0" indent="0">
+              <a:buNone/>
+            </a:pPr>
+            <a:endParaRPr lang="en-GB" dirty="0"/>
+          </a:p>
+        </p:txBody>
+      </p:sp>
+      <p:grpSp>
+        <p:nvGrpSpPr>
+          <p:cNvPr id="8" name="Group 7">
+            <a:extLst>
+              <a:ext uri="{FF2B5EF4-FFF2-40B4-BE49-F238E27FC236}">
+                <a16:creationId xmlns:a16="http://schemas.microsoft.com/office/drawing/2014/main" id="{FAC921B2-E374-4C1C-8CB3-905EC3394D0A}"/>
+              </a:ext>
+            </a:extLst>
+          </p:cNvPr>
+          <p:cNvGrpSpPr/>
+          <p:nvPr/>
+        </p:nvGrpSpPr>
+        <p:grpSpPr>
+          <a:xfrm>
+            <a:off x="2900416" y="2323070"/>
+            <a:ext cx="4909055" cy="2409568"/>
+            <a:chOff x="2054249" y="3842498"/>
+            <a:chExt cx="6445807" cy="2790298"/>
+          </a:xfrm>
+        </p:grpSpPr>
+        <p:pic>
+          <p:nvPicPr>
+            <p:cNvPr id="9" name="Picture 2" descr="image">
+              <a:extLst>
+                <a:ext uri="{FF2B5EF4-FFF2-40B4-BE49-F238E27FC236}">
+                  <a16:creationId xmlns:a16="http://schemas.microsoft.com/office/drawing/2014/main" id="{5A1EB6F4-68D6-41CB-8F2E-7829D6F4967C}"/>
+                </a:ext>
+              </a:extLst>
+            </p:cNvPr>
+            <p:cNvPicPr>
+              <a:picLocks noChangeAspect="1" noChangeArrowheads="1"/>
+            </p:cNvPicPr>
+            <p:nvPr/>
+          </p:nvPicPr>
+          <p:blipFill rotWithShape="1">
+            <a:blip r:embed="rId2">
               <a:extLst>
                 <a:ext uri="{28A0092B-C50C-407E-A947-70E740481C1C}">
                   <a14:useLocalDpi xmlns:a14="http://schemas.microsoft.com/office/drawing/2010/main" val="0"/>
@@ -6384,337 +6734,6 @@
           </p:txBody>
         </p:sp>
       </p:grpSp>
-    </p:spTree>
-    <p:extLst>
-      <p:ext uri="{BB962C8B-B14F-4D97-AF65-F5344CB8AC3E}">
-        <p14:creationId xmlns:p14="http://schemas.microsoft.com/office/powerpoint/2010/main" val="3254640150"/>
-      </p:ext>
-    </p:extLst>
-  </p:cSld>
-  <p:clrMapOvr>
-    <a:masterClrMapping/>
-  </p:clrMapOvr>
-</p:sld>
-</file>
-
-<file path=ppt/slides/slide15.xml><?xml version="1.0" encoding="utf-8"?>
-<p:sld xmlns:a="http://schemas.openxmlformats.org/drawingml/2006/main" xmlns:r="http://schemas.openxmlformats.org/officeDocument/2006/relationships" xmlns:p="http://schemas.openxmlformats.org/presentationml/2006/main">
-  <p:cSld>
-    <p:spTree>
-      <p:nvGrpSpPr>
-        <p:cNvPr id="1" name=""/>
-        <p:cNvGrpSpPr/>
-        <p:nvPr/>
-      </p:nvGrpSpPr>
-      <p:grpSpPr>
-        <a:xfrm>
-          <a:off x="0" y="0"/>
-          <a:ext cx="0" cy="0"/>
-          <a:chOff x="0" y="0"/>
-          <a:chExt cx="0" cy="0"/>
-        </a:xfrm>
-      </p:grpSpPr>
-      <p:sp>
-        <p:nvSpPr>
-          <p:cNvPr id="2" name="Title 1">
-            <a:extLst>
-              <a:ext uri="{FF2B5EF4-FFF2-40B4-BE49-F238E27FC236}">
-                <a16:creationId xmlns:a16="http://schemas.microsoft.com/office/drawing/2014/main" id="{A0C8C6AF-E509-4279-9039-EC1F56C4DC48}"/>
-              </a:ext>
-            </a:extLst>
-          </p:cNvPr>
-          <p:cNvSpPr>
-            <a:spLocks noGrp="1"/>
-          </p:cNvSpPr>
-          <p:nvPr>
-            <p:ph type="title"/>
-          </p:nvPr>
-        </p:nvSpPr>
-        <p:spPr>
-          <a:xfrm>
-            <a:off x="838200" y="-132575"/>
-            <a:ext cx="10515600" cy="1325563"/>
-          </a:xfrm>
-        </p:spPr>
-        <p:txBody>
-          <a:bodyPr>
-            <a:normAutofit/>
-          </a:bodyPr>
-          <a:lstStyle/>
-          <a:p>
-            <a:pPr algn="ctr"/>
-            <a:r>
-              <a:rPr lang="en-GB" dirty="0">
-                <a:solidFill>
-                  <a:srgbClr val="7030A0"/>
-                </a:solidFill>
-              </a:rPr>
-              <a:t>6) DE exon expression: Aphids reared on three different plants</a:t>
-            </a:r>
-          </a:p>
-        </p:txBody>
-      </p:sp>
-      <p:sp>
-        <p:nvSpPr>
-          <p:cNvPr id="3" name="Content Placeholder 2">
-            <a:extLst>
-              <a:ext uri="{FF2B5EF4-FFF2-40B4-BE49-F238E27FC236}">
-                <a16:creationId xmlns:a16="http://schemas.microsoft.com/office/drawing/2014/main" id="{87E2E5A0-784D-4BAF-A742-3FA5474D9D33}"/>
-              </a:ext>
-            </a:extLst>
-          </p:cNvPr>
-          <p:cNvSpPr>
-            <a:spLocks noGrp="1"/>
-          </p:cNvSpPr>
-          <p:nvPr>
-            <p:ph idx="1"/>
-          </p:nvPr>
-        </p:nvSpPr>
-        <p:spPr>
-          <a:xfrm>
-            <a:off x="371474" y="1253331"/>
-            <a:ext cx="11701077" cy="5196896"/>
-          </a:xfrm>
-        </p:spPr>
-        <p:txBody>
-          <a:bodyPr>
-            <a:normAutofit/>
-          </a:bodyPr>
-          <a:lstStyle/>
-          <a:p>
-            <a:r>
-              <a:rPr lang="en-GB" sz="2400" dirty="0"/>
-              <a:t>This a real example: </a:t>
-            </a:r>
-            <a:r>
-              <a:rPr lang="en-GB" sz="2400" i="1" dirty="0" err="1"/>
-              <a:t>Myzus</a:t>
-            </a:r>
-            <a:r>
-              <a:rPr lang="en-GB" sz="2400" i="1" dirty="0"/>
-              <a:t> cerasi </a:t>
-            </a:r>
-            <a:r>
-              <a:rPr lang="en-GB" sz="2400" dirty="0"/>
-              <a:t>has a primary host (cherry) and a limited few others. In this example gallium (also known as cleavers, sticky weed …) and cress. </a:t>
-            </a:r>
-            <a:endParaRPr lang="en-GB" dirty="0"/>
-          </a:p>
-          <a:p>
-            <a:pPr marL="0" indent="0">
-              <a:buNone/>
-            </a:pPr>
-            <a:endParaRPr lang="en-GB" dirty="0"/>
-          </a:p>
-        </p:txBody>
-      </p:sp>
-      <p:grpSp>
-        <p:nvGrpSpPr>
-          <p:cNvPr id="8" name="Group 7">
-            <a:extLst>
-              <a:ext uri="{FF2B5EF4-FFF2-40B4-BE49-F238E27FC236}">
-                <a16:creationId xmlns:a16="http://schemas.microsoft.com/office/drawing/2014/main" id="{FAC921B2-E374-4C1C-8CB3-905EC3394D0A}"/>
-              </a:ext>
-            </a:extLst>
-          </p:cNvPr>
-          <p:cNvGrpSpPr/>
-          <p:nvPr/>
-        </p:nvGrpSpPr>
-        <p:grpSpPr>
-          <a:xfrm>
-            <a:off x="2900416" y="2323070"/>
-            <a:ext cx="4909055" cy="2409568"/>
-            <a:chOff x="2054249" y="3842498"/>
-            <a:chExt cx="6445807" cy="2790298"/>
-          </a:xfrm>
-        </p:grpSpPr>
-        <p:pic>
-          <p:nvPicPr>
-            <p:cNvPr id="9" name="Picture 2" descr="image">
-              <a:extLst>
-                <a:ext uri="{FF2B5EF4-FFF2-40B4-BE49-F238E27FC236}">
-                  <a16:creationId xmlns:a16="http://schemas.microsoft.com/office/drawing/2014/main" id="{5A1EB6F4-68D6-41CB-8F2E-7829D6F4967C}"/>
-                </a:ext>
-              </a:extLst>
-            </p:cNvPr>
-            <p:cNvPicPr>
-              <a:picLocks noChangeAspect="1" noChangeArrowheads="1"/>
-            </p:cNvPicPr>
-            <p:nvPr/>
-          </p:nvPicPr>
-          <p:blipFill rotWithShape="1">
-            <a:blip r:embed="rId2">
-              <a:extLst>
-                <a:ext uri="{28A0092B-C50C-407E-A947-70E740481C1C}">
-                  <a14:useLocalDpi xmlns:a14="http://schemas.microsoft.com/office/drawing/2010/main" val="0"/>
-                </a:ext>
-              </a:extLst>
-            </a:blip>
-            <a:srcRect/>
-            <a:stretch/>
-          </p:blipFill>
-          <p:spPr bwMode="auto">
-            <a:xfrm>
-              <a:off x="2054249" y="3851779"/>
-              <a:ext cx="6445807" cy="2781017"/>
-            </a:xfrm>
-            <a:prstGeom prst="rect">
-              <a:avLst/>
-            </a:prstGeom>
-            <a:noFill/>
-            <a:extLst>
-              <a:ext uri="{909E8E84-426E-40DD-AFC4-6F175D3DCCD1}">
-                <a14:hiddenFill xmlns:a14="http://schemas.microsoft.com/office/drawing/2010/main">
-                  <a:solidFill>
-                    <a:srgbClr val="FFFFFF"/>
-                  </a:solidFill>
-                </a14:hiddenFill>
-              </a:ext>
-            </a:extLst>
-          </p:spPr>
-        </p:pic>
-        <p:sp>
-          <p:nvSpPr>
-            <p:cNvPr id="10" name="Rectangle 9">
-              <a:extLst>
-                <a:ext uri="{FF2B5EF4-FFF2-40B4-BE49-F238E27FC236}">
-                  <a16:creationId xmlns:a16="http://schemas.microsoft.com/office/drawing/2014/main" id="{A993670D-64B2-4815-A6A4-5D5A7BBC879E}"/>
-                </a:ext>
-              </a:extLst>
-            </p:cNvPr>
-            <p:cNvSpPr/>
-            <p:nvPr/>
-          </p:nvSpPr>
-          <p:spPr>
-            <a:xfrm>
-              <a:off x="3734873" y="4262907"/>
-              <a:ext cx="4314423" cy="682580"/>
-            </a:xfrm>
-            <a:prstGeom prst="rect">
-              <a:avLst/>
-            </a:prstGeom>
-            <a:solidFill>
-              <a:schemeClr val="bg1"/>
-            </a:solidFill>
-            <a:ln>
-              <a:noFill/>
-            </a:ln>
-          </p:spPr>
-          <p:style>
-            <a:lnRef idx="2">
-              <a:schemeClr val="accent1">
-                <a:shade val="50000"/>
-              </a:schemeClr>
-            </a:lnRef>
-            <a:fillRef idx="1">
-              <a:schemeClr val="accent1"/>
-            </a:fillRef>
-            <a:effectRef idx="0">
-              <a:schemeClr val="accent1"/>
-            </a:effectRef>
-            <a:fontRef idx="minor">
-              <a:schemeClr val="lt1"/>
-            </a:fontRef>
-          </p:style>
-          <p:txBody>
-            <a:bodyPr rtlCol="0" anchor="ctr"/>
-            <a:lstStyle/>
-            <a:p>
-              <a:pPr algn="ctr"/>
-              <a:endParaRPr lang="en-GB"/>
-            </a:p>
-          </p:txBody>
-        </p:sp>
-        <p:sp>
-          <p:nvSpPr>
-            <p:cNvPr id="11" name="Rectangle 10">
-              <a:extLst>
-                <a:ext uri="{FF2B5EF4-FFF2-40B4-BE49-F238E27FC236}">
-                  <a16:creationId xmlns:a16="http://schemas.microsoft.com/office/drawing/2014/main" id="{05DE63B4-BC8A-4637-BDB2-973F6E7E8A6A}"/>
-                </a:ext>
-              </a:extLst>
-            </p:cNvPr>
-            <p:cNvSpPr/>
-            <p:nvPr/>
-          </p:nvSpPr>
-          <p:spPr>
-            <a:xfrm>
-              <a:off x="4757351" y="3892378"/>
-              <a:ext cx="1433384" cy="370529"/>
-            </a:xfrm>
-            <a:prstGeom prst="rect">
-              <a:avLst/>
-            </a:prstGeom>
-            <a:solidFill>
-              <a:schemeClr val="bg1"/>
-            </a:solidFill>
-            <a:ln>
-              <a:solidFill>
-                <a:schemeClr val="bg1"/>
-              </a:solidFill>
-            </a:ln>
-          </p:spPr>
-          <p:style>
-            <a:lnRef idx="2">
-              <a:schemeClr val="accent1">
-                <a:shade val="50000"/>
-              </a:schemeClr>
-            </a:lnRef>
-            <a:fillRef idx="1">
-              <a:schemeClr val="accent1"/>
-            </a:fillRef>
-            <a:effectRef idx="0">
-              <a:schemeClr val="accent1"/>
-            </a:effectRef>
-            <a:fontRef idx="minor">
-              <a:schemeClr val="lt1"/>
-            </a:fontRef>
-          </p:style>
-          <p:txBody>
-            <a:bodyPr rtlCol="0" anchor="ctr"/>
-            <a:lstStyle/>
-            <a:p>
-              <a:pPr algn="ctr"/>
-              <a:endParaRPr lang="en-GB"/>
-            </a:p>
-          </p:txBody>
-        </p:sp>
-        <p:sp>
-          <p:nvSpPr>
-            <p:cNvPr id="12" name="TextBox 11">
-              <a:extLst>
-                <a:ext uri="{FF2B5EF4-FFF2-40B4-BE49-F238E27FC236}">
-                  <a16:creationId xmlns:a16="http://schemas.microsoft.com/office/drawing/2014/main" id="{9F630B03-962A-4576-BF4D-44343DCA9656}"/>
-                </a:ext>
-              </a:extLst>
-            </p:cNvPr>
-            <p:cNvSpPr txBox="1"/>
-            <p:nvPr/>
-          </p:nvSpPr>
-          <p:spPr>
-            <a:xfrm>
-              <a:off x="4843848" y="3842498"/>
-              <a:ext cx="1260389" cy="840906"/>
-            </a:xfrm>
-            <a:prstGeom prst="rect">
-              <a:avLst/>
-            </a:prstGeom>
-            <a:noFill/>
-          </p:spPr>
-          <p:txBody>
-            <a:bodyPr wrap="square" rtlCol="0">
-              <a:spAutoFit/>
-            </a:bodyPr>
-            <a:lstStyle/>
-            <a:p>
-              <a:r>
-                <a:rPr lang="en-GB" sz="1600" b="1" dirty="0"/>
-                <a:t>gallium</a:t>
-              </a:r>
-            </a:p>
-          </p:txBody>
-        </p:sp>
-      </p:grpSp>
       <p:sp>
         <p:nvSpPr>
           <p:cNvPr id="4" name="TextBox 3">
@@ -6729,8 +6748,8 @@
         </p:nvSpPr>
         <p:spPr>
           <a:xfrm>
-            <a:off x="2652969" y="5004504"/>
-            <a:ext cx="7138086" cy="1200329"/>
+            <a:off x="2729168" y="4942949"/>
+            <a:ext cx="8504889" cy="1323439"/>
           </a:xfrm>
           <a:prstGeom prst="rect">
             <a:avLst/>
@@ -6744,27 +6763,27 @@
           <a:lstStyle/>
           <a:p>
             <a:r>
-              <a:rPr lang="en-GB" dirty="0"/>
+              <a:rPr lang="en-GB" sz="2000" dirty="0"/>
               <a:t>RNA extraction -&gt; Illumina lib prep -&gt; </a:t>
             </a:r>
           </a:p>
           <a:p>
             <a:r>
-              <a:rPr lang="en-GB" dirty="0"/>
+              <a:rPr lang="en-GB" sz="2000" dirty="0"/>
               <a:t>QC/trim/ map to genome -&gt; get exon counts using </a:t>
             </a:r>
             <a:r>
-              <a:rPr lang="en-GB" dirty="0" err="1"/>
+              <a:rPr lang="en-GB" sz="2000" dirty="0" err="1"/>
               <a:t>Htseq</a:t>
             </a:r>
-            <a:endParaRPr lang="en-GB" dirty="0"/>
-          </a:p>
-          <a:p>
-            <a:endParaRPr lang="en-GB" dirty="0"/>
-          </a:p>
-          <a:p>
-            <a:r>
-              <a:rPr lang="en-GB" dirty="0"/>
+            <a:endParaRPr lang="en-GB" sz="2000" dirty="0"/>
+          </a:p>
+          <a:p>
+            <a:endParaRPr lang="en-GB" sz="2000" dirty="0"/>
+          </a:p>
+          <a:p>
+            <a:r>
+              <a:rPr lang="en-GB" sz="2000" dirty="0"/>
               <a:t>Lets analyse the counts. Then we will compare this to DE gene expression</a:t>
             </a:r>
           </a:p>
@@ -9863,7 +9882,7 @@
                   <a:srgbClr val="7030A0"/>
                 </a:solidFill>
               </a:rPr>
-              <a:t>Get some long jobs running</a:t>
+              <a:t>Get the software and start R</a:t>
             </a:r>
             <a:endParaRPr lang="en-US" dirty="0">
               <a:solidFill>
@@ -9891,13 +9910,13 @@
         </p:nvSpPr>
         <p:spPr>
           <a:xfrm>
-            <a:off x="401052" y="1253331"/>
-            <a:ext cx="11404868" cy="4351338"/>
+            <a:off x="401052" y="1001486"/>
+            <a:ext cx="11404868" cy="5627914"/>
           </a:xfrm>
         </p:spPr>
         <p:txBody>
           <a:bodyPr>
-            <a:normAutofit/>
+            <a:normAutofit fontScale="92500" lnSpcReduction="20000"/>
           </a:bodyPr>
           <a:lstStyle/>
           <a:p>
@@ -9905,6 +9924,272 @@
               <a:rPr lang="en-GB" dirty="0"/>
               <a:t>Paste the following into the terminal to copy all the data to your home directory.</a:t>
             </a:r>
+          </a:p>
+          <a:p>
+            <a:pPr marL="0" indent="0">
+              <a:buNone/>
+            </a:pPr>
+            <a:r>
+              <a:rPr lang="en-GB" sz="2400" dirty="0">
+                <a:solidFill>
+                  <a:srgbClr val="FF0000"/>
+                </a:solidFill>
+              </a:rPr>
+              <a:t>cp -</a:t>
+            </a:r>
+            <a:r>
+              <a:rPr lang="en-GB" sz="2400" dirty="0" err="1">
+                <a:solidFill>
+                  <a:srgbClr val="FF0000"/>
+                </a:solidFill>
+              </a:rPr>
+              <a:t>rv</a:t>
+            </a:r>
+            <a:r>
+              <a:rPr lang="en-GB" sz="2400" dirty="0">
+                <a:solidFill>
+                  <a:srgbClr val="FF0000"/>
+                </a:solidFill>
+              </a:rPr>
+              <a:t> /gpfs1/scratch/</a:t>
+            </a:r>
+            <a:r>
+              <a:rPr lang="en-GB" sz="2400" dirty="0" err="1">
+                <a:solidFill>
+                  <a:srgbClr val="FF0000"/>
+                </a:solidFill>
+              </a:rPr>
+              <a:t>bioinf</a:t>
+            </a:r>
+            <a:r>
+              <a:rPr lang="en-GB" sz="2400" dirty="0">
+                <a:solidFill>
+                  <a:srgbClr val="FF0000"/>
+                </a:solidFill>
+              </a:rPr>
+              <a:t>/BL4273/</a:t>
+            </a:r>
+            <a:r>
+              <a:rPr lang="en-GB" sz="2400" dirty="0" err="1">
+                <a:solidFill>
+                  <a:srgbClr val="FF0000"/>
+                </a:solidFill>
+              </a:rPr>
+              <a:t>RNAseq_lecture_workshop</a:t>
+            </a:r>
+            <a:r>
+              <a:rPr lang="en-GB" sz="2400" dirty="0">
+                <a:solidFill>
+                  <a:srgbClr val="FF0000"/>
+                </a:solidFill>
+              </a:rPr>
+              <a:t>/  ~/scratch/</a:t>
+            </a:r>
+            <a:r>
+              <a:rPr lang="en-GB" sz="2400" dirty="0" err="1">
+                <a:solidFill>
+                  <a:srgbClr val="FF0000"/>
+                </a:solidFill>
+              </a:rPr>
+              <a:t>bioinf</a:t>
+            </a:r>
+            <a:r>
+              <a:rPr lang="en-GB" sz="2400" dirty="0">
+                <a:solidFill>
+                  <a:srgbClr val="FF0000"/>
+                </a:solidFill>
+              </a:rPr>
+              <a:t>/${USER}</a:t>
+            </a:r>
+          </a:p>
+          <a:p>
+            <a:endParaRPr lang="en-GB" dirty="0">
+              <a:solidFill>
+                <a:srgbClr val="FF0000"/>
+              </a:solidFill>
+            </a:endParaRPr>
+          </a:p>
+          <a:p>
+            <a:r>
+              <a:rPr lang="en-GB" dirty="0"/>
+              <a:t>Make sure you have the software ready to use (note dot space):</a:t>
+            </a:r>
+          </a:p>
+          <a:p>
+            <a:pPr marL="0" indent="0">
+              <a:buNone/>
+            </a:pPr>
+            <a:r>
+              <a:rPr lang="en-GB" dirty="0"/>
+              <a:t>This is for the DE exon software</a:t>
+            </a:r>
+          </a:p>
+          <a:p>
+            <a:pPr marL="0" indent="0">
+              <a:buNone/>
+            </a:pPr>
+            <a:r>
+              <a:rPr lang="fr-FR" dirty="0">
+                <a:solidFill>
+                  <a:srgbClr val="FF0000"/>
+                </a:solidFill>
+              </a:rPr>
+              <a:t>export PATH=/gpfs1/scratch/</a:t>
+            </a:r>
+            <a:r>
+              <a:rPr lang="fr-FR" dirty="0" err="1">
+                <a:solidFill>
+                  <a:srgbClr val="FF0000"/>
+                </a:solidFill>
+              </a:rPr>
+              <a:t>bioinf</a:t>
+            </a:r>
+            <a:r>
+              <a:rPr lang="fr-FR" dirty="0">
+                <a:solidFill>
+                  <a:srgbClr val="FF0000"/>
+                </a:solidFill>
+              </a:rPr>
+              <a:t>/BL4273/</a:t>
+            </a:r>
+            <a:r>
+              <a:rPr lang="fr-FR" dirty="0" err="1">
+                <a:solidFill>
+                  <a:srgbClr val="FF0000"/>
+                </a:solidFill>
+              </a:rPr>
+              <a:t>conda</a:t>
+            </a:r>
+            <a:r>
+              <a:rPr lang="fr-FR" dirty="0">
+                <a:solidFill>
+                  <a:srgbClr val="FF0000"/>
+                </a:solidFill>
+              </a:rPr>
+              <a:t>/</a:t>
+            </a:r>
+            <a:r>
+              <a:rPr lang="fr-FR" dirty="0" err="1">
+                <a:solidFill>
+                  <a:srgbClr val="FF0000"/>
+                </a:solidFill>
+              </a:rPr>
+              <a:t>envs</a:t>
+            </a:r>
+            <a:r>
+              <a:rPr lang="fr-FR" dirty="0">
+                <a:solidFill>
+                  <a:srgbClr val="FF0000"/>
+                </a:solidFill>
+              </a:rPr>
+              <a:t>/DE_X/bin/:$PATH</a:t>
+            </a:r>
+          </a:p>
+          <a:p>
+            <a:pPr marL="0" indent="0">
+              <a:buNone/>
+            </a:pPr>
+            <a:endParaRPr lang="fr-FR" dirty="0">
+              <a:solidFill>
+                <a:srgbClr val="FF0000"/>
+              </a:solidFill>
+            </a:endParaRPr>
+          </a:p>
+          <a:p>
+            <a:pPr marL="0" indent="0">
+              <a:buNone/>
+            </a:pPr>
+            <a:r>
+              <a:rPr lang="fr-FR" dirty="0"/>
+              <a:t>For the DE </a:t>
+            </a:r>
+            <a:r>
+              <a:rPr lang="fr-FR" dirty="0" err="1"/>
+              <a:t>gene</a:t>
+            </a:r>
+            <a:r>
+              <a:rPr lang="fr-FR" dirty="0"/>
+              <a:t> </a:t>
+            </a:r>
+            <a:r>
+              <a:rPr lang="fr-FR" dirty="0" err="1"/>
+              <a:t>analysis</a:t>
+            </a:r>
+            <a:r>
+              <a:rPr lang="fr-FR" dirty="0"/>
+              <a:t> </a:t>
+            </a:r>
+          </a:p>
+          <a:p>
+            <a:pPr marL="0" indent="0">
+              <a:buNone/>
+            </a:pPr>
+            <a:r>
+              <a:rPr lang="fr-FR" dirty="0">
+                <a:solidFill>
+                  <a:srgbClr val="FF0000"/>
+                </a:solidFill>
+              </a:rPr>
+              <a:t>export PATH=/gpfs1/scratch/</a:t>
+            </a:r>
+            <a:r>
+              <a:rPr lang="fr-FR" dirty="0" err="1">
+                <a:solidFill>
+                  <a:srgbClr val="FF0000"/>
+                </a:solidFill>
+              </a:rPr>
+              <a:t>bioinf</a:t>
+            </a:r>
+            <a:r>
+              <a:rPr lang="fr-FR" dirty="0">
+                <a:solidFill>
+                  <a:srgbClr val="FF0000"/>
+                </a:solidFill>
+              </a:rPr>
+              <a:t>/BL4273/</a:t>
+            </a:r>
+            <a:r>
+              <a:rPr lang="fr-FR" dirty="0" err="1">
+                <a:solidFill>
+                  <a:srgbClr val="FF0000"/>
+                </a:solidFill>
+              </a:rPr>
+              <a:t>conda</a:t>
+            </a:r>
+            <a:r>
+              <a:rPr lang="fr-FR" dirty="0">
+                <a:solidFill>
+                  <a:srgbClr val="FF0000"/>
+                </a:solidFill>
+              </a:rPr>
+              <a:t>/</a:t>
+            </a:r>
+            <a:r>
+              <a:rPr lang="fr-FR" dirty="0" err="1">
+                <a:solidFill>
+                  <a:srgbClr val="FF0000"/>
+                </a:solidFill>
+              </a:rPr>
+              <a:t>envs</a:t>
+            </a:r>
+            <a:r>
+              <a:rPr lang="fr-FR" dirty="0">
+                <a:solidFill>
+                  <a:srgbClr val="FF0000"/>
+                </a:solidFill>
+              </a:rPr>
+              <a:t>/DE_X/bin/:$PATH</a:t>
+            </a:r>
+          </a:p>
+          <a:p>
+            <a:pPr marL="0" indent="0">
+              <a:buNone/>
+            </a:pPr>
+            <a:endParaRPr lang="fr-FR" dirty="0">
+              <a:solidFill>
+                <a:srgbClr val="FF0000"/>
+              </a:solidFill>
+            </a:endParaRPr>
           </a:p>
           <a:p>
             <a:pPr marL="0" indent="0">
@@ -9916,7 +10201,11 @@
                   <a:srgbClr val="FF0000"/>
                 </a:solidFill>
               </a:rPr>
-              <a:t>#cp -</a:t>
+              <a:t>cd </a:t>
+            </a:r>
+            <a:r>
+              <a:rPr lang="en-GB" dirty="0"/>
+              <a:t>into the </a:t>
             </a:r>
             <a:r>
               <a:rPr lang="en-GB" dirty="0" err="1">
@@ -9924,23 +10213,7 @@
                   <a:srgbClr val="FF0000"/>
                 </a:solidFill>
               </a:rPr>
-              <a:t>rv</a:t>
-            </a:r>
-            <a:r>
-              <a:rPr lang="en-GB" dirty="0">
-                <a:solidFill>
-                  <a:srgbClr val="FF0000"/>
-                </a:solidFill>
-              </a:rPr>
-              <a:t> /shelf/</a:t>
-            </a:r>
-            <a:r>
-              <a:rPr lang="en-GB" dirty="0" err="1">
-                <a:solidFill>
-                  <a:srgbClr val="FF0000"/>
-                </a:solidFill>
-              </a:rPr>
-              <a:t>Computational_Genomics</a:t>
+              <a:t>DE_gene</a:t>
             </a:r>
             <a:r>
               <a:rPr lang="en-GB" dirty="0">
@@ -9956,68 +10229,7 @@
                   <a:srgbClr val="FF0000"/>
                 </a:solidFill>
               </a:rPr>
-              <a:t>genome_assembly_workshop</a:t>
-            </a:r>
-            <a:r>
-              <a:rPr lang="en-GB" dirty="0">
-                <a:solidFill>
-                  <a:srgbClr val="FF0000"/>
-                </a:solidFill>
-              </a:rPr>
-              <a:t>/ ~/</a:t>
-            </a:r>
-          </a:p>
-          <a:p>
-            <a:endParaRPr lang="en-GB" dirty="0">
-              <a:solidFill>
-                <a:srgbClr val="FF0000"/>
-              </a:solidFill>
-            </a:endParaRPr>
-          </a:p>
-          <a:p>
-            <a:r>
-              <a:rPr lang="en-GB" dirty="0"/>
-              <a:t>Make sure you have the software ready to use (note dot space):</a:t>
-            </a:r>
-          </a:p>
-          <a:p>
-            <a:pPr marL="0" indent="0">
-              <a:buNone/>
-            </a:pPr>
-            <a:r>
-              <a:rPr lang="fr-FR" dirty="0">
-                <a:solidFill>
-                  <a:srgbClr val="FF0000"/>
-                </a:solidFill>
-              </a:rPr>
-              <a:t>. /shelf/apps/pjt6/conda/etc/profile.d/conda.sh</a:t>
-            </a:r>
-            <a:endParaRPr lang="en-US" dirty="0">
-              <a:solidFill>
-                <a:srgbClr val="FF0000"/>
-              </a:solidFill>
-            </a:endParaRPr>
-          </a:p>
-          <a:p>
-            <a:r>
-              <a:rPr lang="en-GB" dirty="0">
-                <a:solidFill>
-                  <a:srgbClr val="FF0000"/>
-                </a:solidFill>
-              </a:rPr>
-              <a:t>cd </a:t>
-            </a:r>
-            <a:r>
-              <a:rPr lang="en-GB" dirty="0"/>
-              <a:t>into the </a:t>
-            </a:r>
-            <a:r>
-              <a:rPr lang="en-GB" dirty="0" err="1">
-                <a:solidFill>
-                  <a:srgbClr val="FF0000"/>
-                </a:solidFill>
-              </a:rPr>
-              <a:t>shell_scripts</a:t>
+              <a:t>three_bio_reps</a:t>
             </a:r>
             <a:r>
               <a:rPr lang="en-GB" dirty="0">
@@ -10035,6 +10247,41 @@
               <a:rPr lang="en-GB" u="sng" dirty="0"/>
               <a:t>tab auto complete!!)</a:t>
             </a:r>
+          </a:p>
+          <a:p>
+            <a:pPr marL="0" indent="0">
+              <a:buNone/>
+            </a:pPr>
+            <a:endParaRPr lang="en-GB" u="sng" dirty="0"/>
+          </a:p>
+          <a:p>
+            <a:pPr marL="0" indent="0">
+              <a:buNone/>
+            </a:pPr>
+            <a:r>
+              <a:rPr lang="en-GB" sz="2800" dirty="0">
+                <a:solidFill>
+                  <a:srgbClr val="FF0000"/>
+                </a:solidFill>
+              </a:rPr>
+              <a:t>R  </a:t>
+            </a:r>
+            <a:r>
+              <a:rPr lang="en-GB" sz="2800" dirty="0"/>
+              <a:t>      (not this is a capital letter, to open up an R terminal. )</a:t>
+            </a:r>
+          </a:p>
+          <a:p>
+            <a:pPr marL="0" indent="0">
+              <a:buNone/>
+            </a:pPr>
+            <a:endParaRPr lang="en-GB" u="sng" dirty="0"/>
+          </a:p>
+          <a:p>
+            <a:pPr marL="0" indent="0">
+              <a:buNone/>
+            </a:pPr>
+            <a:endParaRPr lang="en-GB" u="sng" dirty="0"/>
           </a:p>
           <a:p>
             <a:endParaRPr lang="en-GB" u="sng" dirty="0"/>
